--- a/presentation.pptx
+++ b/presentation.pptx
@@ -109,6 +109,11 @@
       </a:defRPr>
     </a:lvl9pPr>
   </p:defaultTextStyle>
+  <p:extLst>
+    <p:ext uri="{EFAFB233-063F-42B5-8137-9DF3F51BA10A}">
+      <p15:sldGuideLst xmlns:p15="http://schemas.microsoft.com/office/powerpoint/2012/main"/>
+    </p:ext>
+  </p:extLst>
 </p:presentation>
 </file>
 
@@ -3342,14 +3347,19 @@
             <p:ph type="ctrTitle"/>
           </p:nvPr>
         </p:nvSpPr>
-        <p:spPr/>
+        <p:spPr>
+          <a:xfrm>
+            <a:off x="2330067" y="1041400"/>
+            <a:ext cx="7531865" cy="2387600"/>
+          </a:xfrm>
+        </p:spPr>
         <p:txBody>
           <a:bodyPr/>
           <a:lstStyle/>
           <a:p>
             <a:r>
               <a:rPr lang="en-US" dirty="0"/>
-              <a:t>My Chatbot for Lost Packages</a:t>
+              <a:t>My Chatbot for Lost Package Tracking</a:t>
             </a:r>
           </a:p>
         </p:txBody>
@@ -3865,12 +3875,12 @@
         <p:spPr>
           <a:xfrm>
             <a:off x="838200" y="1825625"/>
-            <a:ext cx="4993888" cy="4351338"/>
+            <a:ext cx="3744817" cy="4351338"/>
           </a:xfrm>
         </p:spPr>
         <p:txBody>
           <a:bodyPr>
-            <a:normAutofit fontScale="92500" lnSpcReduction="10000"/>
+            <a:normAutofit fontScale="77500" lnSpcReduction="20000"/>
           </a:bodyPr>
           <a:lstStyle/>
           <a:p>
@@ -3935,8 +3945,8 @@
         </p:nvSpPr>
         <p:spPr>
           <a:xfrm>
-            <a:off x="6322741" y="1773044"/>
-            <a:ext cx="4705815" cy="5062924"/>
+            <a:off x="4770305" y="1773044"/>
+            <a:ext cx="6258252" cy="5062924"/>
           </a:xfrm>
           <a:prstGeom prst="rect">
             <a:avLst/>
@@ -3954,7 +3964,7 @@
               <a:buChar char="•"/>
             </a:pPr>
             <a:r>
-              <a:rPr lang="en-US" sz="1900" dirty="0"/>
+              <a:rPr lang="en-US" sz="1700" dirty="0"/>
               <a:t>Implementation: I maintain a state variable for the chatbot that keeps track of whether we are in the “awaiting tracking number input” state, or the “awaiting user response for wanting a refund or replacement” state, or the “awaiting whether user wants to track another package” state, and so on and so forth</a:t>
             </a:r>
           </a:p>
@@ -3964,7 +3974,7 @@
               <a:buChar char="•"/>
             </a:pPr>
             <a:r>
-              <a:rPr lang="en-US" sz="1900" dirty="0"/>
+              <a:rPr lang="en-US" sz="1700" dirty="0"/>
               <a:t>User inputs are parsed, and the bot responds according to it and which state it is in, and then updates the state</a:t>
             </a:r>
           </a:p>
@@ -3974,11 +3984,11 @@
               <a:buChar char="•"/>
             </a:pPr>
             <a:r>
-              <a:rPr lang="en-US" sz="1900" dirty="0"/>
+              <a:rPr lang="en-US" sz="1700" dirty="0"/>
               <a:t>This continues until the user either types ‘</a:t>
             </a:r>
             <a:r>
-              <a:rPr lang="en-US" sz="1900" dirty="0">
+              <a:rPr lang="en-US" sz="1700" dirty="0">
                 <a:solidFill>
                   <a:srgbClr val="C00000"/>
                 </a:solidFill>
@@ -3986,11 +3996,11 @@
               <a:t>END</a:t>
             </a:r>
             <a:r>
-              <a:rPr lang="en-US" sz="1900" dirty="0"/>
+              <a:rPr lang="en-US" sz="1700" dirty="0"/>
               <a:t>’ or answers ‘</a:t>
             </a:r>
             <a:r>
-              <a:rPr lang="en-US" sz="1900" dirty="0">
+              <a:rPr lang="en-US" sz="1700" dirty="0">
                 <a:solidFill>
                   <a:srgbClr val="C00000"/>
                 </a:solidFill>
@@ -3998,12 +4008,122 @@
               <a:t>no</a:t>
             </a:r>
             <a:r>
-              <a:rPr lang="en-US" sz="1900" dirty="0"/>
+              <a:rPr lang="en-US" sz="1700" dirty="0"/>
               <a:t>’ to the bot asking “Would you like to track another package? (yes/no)”</a:t>
             </a:r>
           </a:p>
           <a:p>
-            <a:endParaRPr lang="en-US" sz="1900" dirty="0"/>
+            <a:pPr marL="285750" indent="-285750">
+              <a:buFont typeface="Arial" panose="020B0604020202020204" pitchFamily="34" charset="0"/>
+              <a:buChar char="•"/>
+            </a:pPr>
+            <a:r>
+              <a:rPr lang="en-US" sz="1700" dirty="0"/>
+              <a:t>There are two valid predefined tracking numbers and their respective owner names. Tracking # ‘12345678’ belongs to </a:t>
+            </a:r>
+            <a:r>
+              <a:rPr lang="en-US" sz="1700" dirty="0" err="1"/>
+              <a:t>yiduo</a:t>
+            </a:r>
+            <a:r>
+              <a:rPr lang="en-US" sz="1700" dirty="0"/>
+              <a:t>, and ‘88888888’ belongs to </a:t>
+            </a:r>
+            <a:r>
+              <a:rPr lang="en-US" sz="1700" dirty="0" err="1"/>
+              <a:t>cameron</a:t>
+            </a:r>
+            <a:r>
+              <a:rPr lang="en-US" sz="1700" dirty="0"/>
+              <a:t>.</a:t>
+            </a:r>
+          </a:p>
+          <a:p>
+            <a:pPr lvl="1"/>
+            <a:r>
+              <a:rPr lang="en-US" sz="1700" dirty="0" err="1">
+                <a:solidFill>
+                  <a:srgbClr val="C00000"/>
+                </a:solidFill>
+              </a:rPr>
+              <a:t>valid_records</a:t>
+            </a:r>
+            <a:r>
+              <a:rPr lang="en-US" sz="1700" dirty="0">
+                <a:solidFill>
+                  <a:srgbClr val="C00000"/>
+                </a:solidFill>
+              </a:rPr>
+              <a:t> = {</a:t>
+            </a:r>
+          </a:p>
+          <a:p>
+            <a:pPr lvl="1"/>
+            <a:r>
+              <a:rPr lang="en-US" sz="1700" dirty="0">
+                <a:solidFill>
+                  <a:srgbClr val="C00000"/>
+                </a:solidFill>
+              </a:rPr>
+              <a:t>      '12345678': '</a:t>
+            </a:r>
+            <a:r>
+              <a:rPr lang="en-US" sz="1700" dirty="0" err="1">
+                <a:solidFill>
+                  <a:srgbClr val="C00000"/>
+                </a:solidFill>
+              </a:rPr>
+              <a:t>yiduo</a:t>
+            </a:r>
+            <a:r>
+              <a:rPr lang="en-US" sz="1700" dirty="0">
+                <a:solidFill>
+                  <a:srgbClr val="C00000"/>
+                </a:solidFill>
+              </a:rPr>
+              <a:t>',</a:t>
+            </a:r>
+          </a:p>
+          <a:p>
+            <a:pPr lvl="1"/>
+            <a:r>
+              <a:rPr lang="en-US" sz="1700" dirty="0">
+                <a:solidFill>
+                  <a:srgbClr val="C00000"/>
+                </a:solidFill>
+              </a:rPr>
+              <a:t>      '88888888': '</a:t>
+            </a:r>
+            <a:r>
+              <a:rPr lang="en-US" sz="1700" dirty="0" err="1">
+                <a:solidFill>
+                  <a:srgbClr val="C00000"/>
+                </a:solidFill>
+              </a:rPr>
+              <a:t>cameron</a:t>
+            </a:r>
+            <a:r>
+              <a:rPr lang="en-US" sz="1700" dirty="0">
+                <a:solidFill>
+                  <a:srgbClr val="C00000"/>
+                </a:solidFill>
+              </a:rPr>
+              <a:t>'</a:t>
+            </a:r>
+          </a:p>
+          <a:p>
+            <a:pPr lvl="1"/>
+            <a:r>
+              <a:rPr lang="en-US" sz="1700" dirty="0">
+                <a:solidFill>
+                  <a:srgbClr val="C00000"/>
+                </a:solidFill>
+              </a:rPr>
+              <a:t>}</a:t>
+            </a:r>
+          </a:p>
+          <a:p>
+            <a:endParaRPr lang="en-US" sz="1700" dirty="0"/>
           </a:p>
         </p:txBody>
       </p:sp>
